--- a/figures/Task_description.pptx
+++ b/figures/Task_description.pptx
@@ -4996,7 +4996,7 @@
           <p:spPr>
             <a:xfrm>
               <a:off x="4444122" y="1263534"/>
-              <a:ext cx="299258" cy="338554"/>
+              <a:ext cx="299258" cy="307777"/>
             </a:xfrm>
             <a:prstGeom prst="rect">
               <a:avLst/>
@@ -5010,13 +5010,13 @@
             <a:lstStyle/>
             <a:p>
               <a:r>
-                <a:rPr lang="en-US" sz="1600" b="1" dirty="0" smtClean="0">
+                <a:rPr lang="en-US" sz="1400" b="1" dirty="0" smtClean="0">
                   <a:latin typeface="Arial" panose="020B0604020202020204" pitchFamily="34" charset="0"/>
                   <a:cs typeface="Arial" panose="020B0604020202020204" pitchFamily="34" charset="0"/>
                 </a:rPr>
                 <a:t>A</a:t>
               </a:r>
-              <a:endParaRPr lang="en-US" sz="1600" b="1" dirty="0">
+              <a:endParaRPr lang="en-US" sz="1400" b="1" dirty="0">
                 <a:latin typeface="Arial" panose="020B0604020202020204" pitchFamily="34" charset="0"/>
                 <a:cs typeface="Arial" panose="020B0604020202020204" pitchFamily="34" charset="0"/>
               </a:endParaRPr>
@@ -5032,7 +5032,7 @@
           <p:spPr>
             <a:xfrm>
               <a:off x="7583565" y="1263534"/>
-              <a:ext cx="299258" cy="338554"/>
+              <a:ext cx="299258" cy="307777"/>
             </a:xfrm>
             <a:prstGeom prst="rect">
               <a:avLst/>
@@ -5046,13 +5046,13 @@
             <a:lstStyle/>
             <a:p>
               <a:r>
-                <a:rPr lang="en-US" sz="1600" b="1" dirty="0" smtClean="0">
+                <a:rPr lang="en-US" sz="1400" b="1" dirty="0" smtClean="0">
                   <a:latin typeface="Arial" panose="020B0604020202020204" pitchFamily="34" charset="0"/>
                   <a:cs typeface="Arial" panose="020B0604020202020204" pitchFamily="34" charset="0"/>
                 </a:rPr>
                 <a:t>B</a:t>
               </a:r>
-              <a:endParaRPr lang="en-US" sz="1600" b="1" dirty="0">
+              <a:endParaRPr lang="en-US" sz="1400" b="1" dirty="0">
                 <a:latin typeface="Arial" panose="020B0604020202020204" pitchFamily="34" charset="0"/>
                 <a:cs typeface="Arial" panose="020B0604020202020204" pitchFamily="34" charset="0"/>
               </a:endParaRPr>
@@ -5062,7 +5062,7 @@
       </p:grpSp>
       <p:pic>
         <p:nvPicPr>
-          <p:cNvPr id="18" name="Picture 17"/>
+          <p:cNvPr id="2" name="Picture 1"/>
           <p:cNvPicPr>
             <a:picLocks noChangeAspect="1"/>
           </p:cNvPicPr>
@@ -5076,8 +5076,8 @@
         </p:blipFill>
         <p:spPr>
           <a:xfrm>
-            <a:off x="2794020" y="3855895"/>
-            <a:ext cx="7035394" cy="2371550"/>
+            <a:off x="2581628" y="3720675"/>
+            <a:ext cx="7023201" cy="2359356"/>
           </a:xfrm>
           <a:prstGeom prst="rect">
             <a:avLst/>
